--- a/myfirstppt.pptx
+++ b/myfirstppt.pptx
@@ -116,19 +116,19 @@
 <pc:chgInfo xmlns:a="http://schemas.openxmlformats.org/drawingml/2006/main" xmlns:r="http://schemas.openxmlformats.org/officeDocument/2006/relationships" xmlns:ac="http://schemas.microsoft.com/office/drawing/2013/main/command" xmlns:pc="http://schemas.microsoft.com/office/powerpoint/2013/main/command">
   <pc:docChgLst>
     <pc:chgData name="KUMAR SHIVAM" userId="fa89006c802c8ba6" providerId="LiveId" clId="{D2F42930-FA01-4267-85C1-BBCEED016957}"/>
-    <pc:docChg chg="addSld modSld">
-      <pc:chgData name="KUMAR SHIVAM" userId="fa89006c802c8ba6" providerId="LiveId" clId="{D2F42930-FA01-4267-85C1-BBCEED016957}" dt="2023-05-07T16:40:03.029" v="6" actId="20577"/>
+    <pc:docChg chg="undo custSel addSld modSld">
+      <pc:chgData name="KUMAR SHIVAM" userId="fa89006c802c8ba6" providerId="LiveId" clId="{D2F42930-FA01-4267-85C1-BBCEED016957}" dt="2023-05-07T16:53:32.326" v="20" actId="20577"/>
       <pc:docMkLst>
         <pc:docMk/>
       </pc:docMkLst>
       <pc:sldChg chg="modSp new mod">
-        <pc:chgData name="KUMAR SHIVAM" userId="fa89006c802c8ba6" providerId="LiveId" clId="{D2F42930-FA01-4267-85C1-BBCEED016957}" dt="2023-05-07T16:40:03.029" v="6" actId="20577"/>
+        <pc:chgData name="KUMAR SHIVAM" userId="fa89006c802c8ba6" providerId="LiveId" clId="{D2F42930-FA01-4267-85C1-BBCEED016957}" dt="2023-05-07T16:53:32.326" v="20" actId="20577"/>
         <pc:sldMkLst>
           <pc:docMk/>
           <pc:sldMk cId="1265547961" sldId="256"/>
         </pc:sldMkLst>
         <pc:spChg chg="mod">
-          <ac:chgData name="KUMAR SHIVAM" userId="fa89006c802c8ba6" providerId="LiveId" clId="{D2F42930-FA01-4267-85C1-BBCEED016957}" dt="2023-05-07T16:27:04.785" v="3" actId="20577"/>
+          <ac:chgData name="KUMAR SHIVAM" userId="fa89006c802c8ba6" providerId="LiveId" clId="{D2F42930-FA01-4267-85C1-BBCEED016957}" dt="2023-05-07T16:53:29.630" v="17" actId="20577"/>
           <ac:spMkLst>
             <pc:docMk/>
             <pc:sldMk cId="1265547961" sldId="256"/>
@@ -136,7 +136,7 @@
           </ac:spMkLst>
         </pc:spChg>
         <pc:spChg chg="mod">
-          <ac:chgData name="KUMAR SHIVAM" userId="fa89006c802c8ba6" providerId="LiveId" clId="{D2F42930-FA01-4267-85C1-BBCEED016957}" dt="2023-05-07T16:40:03.029" v="6" actId="20577"/>
+          <ac:chgData name="KUMAR SHIVAM" userId="fa89006c802c8ba6" providerId="LiveId" clId="{D2F42930-FA01-4267-85C1-BBCEED016957}" dt="2023-05-07T16:53:32.326" v="20" actId="20577"/>
           <ac:spMkLst>
             <pc:docMk/>
             <pc:sldMk cId="1265547961" sldId="256"/>
@@ -663,10 +663,7 @@
           <a:bodyPr/>
           <a:lstStyle/>
           <a:p>
-            <a:r>
-              <a:rPr lang="en-IN"/>
-              <a:t>frf</a:t>
-            </a:r>
+            <a:endParaRPr lang="en-IN" dirty="0"/>
           </a:p>
         </p:txBody>
       </p:sp>
@@ -691,10 +688,7 @@
           <a:bodyPr/>
           <a:lstStyle/>
           <a:p>
-            <a:r>
-              <a:rPr lang="en-IN"/>
-              <a:t>khl</a:t>
-            </a:r>
+            <a:endParaRPr lang="en-IN"/>
           </a:p>
         </p:txBody>
       </p:sp>
